--- a/order_switch/設計.pptx
+++ b/order_switch/設計.pptx
@@ -288,7 +288,7 @@
           <a:p>
             <a:fld id="{A04E75AA-4D9F-2542-AC6B-E60EFCD8B115}" type="datetimeFigureOut">
               <a:rPr kumimoji="1" lang="ja-JP" altLang="en-US" smtClean="0"/>
-              <a:t>2014/06/12</a:t>
+              <a:t>2014/06/13</a:t>
             </a:fld>
             <a:endParaRPr kumimoji="1" lang="ja-JP" altLang="en-US"/>
           </a:p>
@@ -490,7 +490,7 @@
           <a:p>
             <a:fld id="{A04E75AA-4D9F-2542-AC6B-E60EFCD8B115}" type="datetimeFigureOut">
               <a:rPr kumimoji="1" lang="ja-JP" altLang="en-US" smtClean="0"/>
-              <a:t>2014/06/12</a:t>
+              <a:t>2014/06/13</a:t>
             </a:fld>
             <a:endParaRPr kumimoji="1" lang="ja-JP" altLang="en-US"/>
           </a:p>
@@ -702,7 +702,7 @@
           <a:p>
             <a:fld id="{A04E75AA-4D9F-2542-AC6B-E60EFCD8B115}" type="datetimeFigureOut">
               <a:rPr kumimoji="1" lang="ja-JP" altLang="en-US" smtClean="0"/>
-              <a:t>2014/06/12</a:t>
+              <a:t>2014/06/13</a:t>
             </a:fld>
             <a:endParaRPr kumimoji="1" lang="ja-JP" altLang="en-US"/>
           </a:p>
@@ -904,7 +904,7 @@
           <a:p>
             <a:fld id="{A04E75AA-4D9F-2542-AC6B-E60EFCD8B115}" type="datetimeFigureOut">
               <a:rPr kumimoji="1" lang="ja-JP" altLang="en-US" smtClean="0"/>
-              <a:t>2014/06/12</a:t>
+              <a:t>2014/06/13</a:t>
             </a:fld>
             <a:endParaRPr kumimoji="1" lang="ja-JP" altLang="en-US"/>
           </a:p>
@@ -1150,7 +1150,7 @@
           <a:p>
             <a:fld id="{A04E75AA-4D9F-2542-AC6B-E60EFCD8B115}" type="datetimeFigureOut">
               <a:rPr kumimoji="1" lang="ja-JP" altLang="en-US" smtClean="0"/>
-              <a:t>2014/06/12</a:t>
+              <a:t>2014/06/13</a:t>
             </a:fld>
             <a:endParaRPr kumimoji="1" lang="ja-JP" altLang="en-US"/>
           </a:p>
@@ -1502,7 +1502,7 @@
           <a:p>
             <a:fld id="{A04E75AA-4D9F-2542-AC6B-E60EFCD8B115}" type="datetimeFigureOut">
               <a:rPr kumimoji="1" lang="ja-JP" altLang="en-US" smtClean="0"/>
-              <a:t>2014/06/12</a:t>
+              <a:t>2014/06/13</a:t>
             </a:fld>
             <a:endParaRPr kumimoji="1" lang="ja-JP" altLang="en-US"/>
           </a:p>
@@ -1988,7 +1988,7 @@
           <a:p>
             <a:fld id="{A04E75AA-4D9F-2542-AC6B-E60EFCD8B115}" type="datetimeFigureOut">
               <a:rPr kumimoji="1" lang="ja-JP" altLang="en-US" smtClean="0"/>
-              <a:t>2014/06/12</a:t>
+              <a:t>2014/06/13</a:t>
             </a:fld>
             <a:endParaRPr kumimoji="1" lang="ja-JP" altLang="en-US"/>
           </a:p>
@@ -2106,7 +2106,7 @@
           <a:p>
             <a:fld id="{A04E75AA-4D9F-2542-AC6B-E60EFCD8B115}" type="datetimeFigureOut">
               <a:rPr kumimoji="1" lang="ja-JP" altLang="en-US" smtClean="0"/>
-              <a:t>2014/06/12</a:t>
+              <a:t>2014/06/13</a:t>
             </a:fld>
             <a:endParaRPr kumimoji="1" lang="ja-JP" altLang="en-US"/>
           </a:p>
@@ -2201,7 +2201,7 @@
           <a:p>
             <a:fld id="{A04E75AA-4D9F-2542-AC6B-E60EFCD8B115}" type="datetimeFigureOut">
               <a:rPr kumimoji="1" lang="ja-JP" altLang="en-US" smtClean="0"/>
-              <a:t>2014/06/12</a:t>
+              <a:t>2014/06/13</a:t>
             </a:fld>
             <a:endParaRPr kumimoji="1" lang="ja-JP" altLang="en-US"/>
           </a:p>
@@ -2510,7 +2510,7 @@
           <a:p>
             <a:fld id="{A04E75AA-4D9F-2542-AC6B-E60EFCD8B115}" type="datetimeFigureOut">
               <a:rPr kumimoji="1" lang="ja-JP" altLang="en-US" smtClean="0"/>
-              <a:t>2014/06/12</a:t>
+              <a:t>2014/06/13</a:t>
             </a:fld>
             <a:endParaRPr kumimoji="1" lang="ja-JP" altLang="en-US"/>
           </a:p>
@@ -2763,7 +2763,7 @@
           <a:p>
             <a:fld id="{A04E75AA-4D9F-2542-AC6B-E60EFCD8B115}" type="datetimeFigureOut">
               <a:rPr kumimoji="1" lang="ja-JP" altLang="en-US" smtClean="0"/>
-              <a:t>2014/06/12</a:t>
+              <a:t>2014/06/13</a:t>
             </a:fld>
             <a:endParaRPr kumimoji="1" lang="ja-JP" altLang="en-US"/>
           </a:p>
@@ -3008,7 +3008,7 @@
           <a:p>
             <a:fld id="{A04E75AA-4D9F-2542-AC6B-E60EFCD8B115}" type="datetimeFigureOut">
               <a:rPr kumimoji="1" lang="ja-JP" altLang="en-US" smtClean="0"/>
-              <a:t>2014/06/12</a:t>
+              <a:t>2014/06/13</a:t>
             </a:fld>
             <a:endParaRPr kumimoji="1" lang="ja-JP" altLang="en-US"/>
           </a:p>
@@ -4556,8 +4556,8 @@
         </p:nvSpPr>
         <p:spPr>
           <a:xfrm>
-            <a:off x="5902203" y="2098187"/>
-            <a:ext cx="775328" cy="369332"/>
+            <a:off x="5699212" y="2098187"/>
+            <a:ext cx="978319" cy="376252"/>
           </a:xfrm>
           <a:prstGeom prst="rect">
             <a:avLst/>
@@ -4589,7 +4589,27 @@
                   </a:schemeClr>
                 </a:solidFill>
               </a:rPr>
-              <a:t> A</a:t>
+              <a:t> </a:t>
+            </a:r>
+            <a:r>
+              <a:rPr kumimoji="1" lang="en-US" altLang="ja-JP" dirty="0" smtClean="0">
+                <a:solidFill>
+                  <a:schemeClr val="accent3">
+                    <a:lumMod val="50000"/>
+                  </a:schemeClr>
+                </a:solidFill>
+              </a:rPr>
+              <a:t>0x0</a:t>
+            </a:r>
+            <a:r>
+              <a:rPr kumimoji="1" lang="en-US" altLang="ja-JP" dirty="0" smtClean="0">
+                <a:solidFill>
+                  <a:schemeClr val="accent3">
+                    <a:lumMod val="50000"/>
+                  </a:schemeClr>
+                </a:solidFill>
+              </a:rPr>
+              <a:t>C</a:t>
             </a:r>
             <a:endParaRPr kumimoji="1" lang="ja-JP" altLang="en-US" dirty="0">
               <a:solidFill>
@@ -4609,8 +4629,8 @@
         </p:nvSpPr>
         <p:spPr>
           <a:xfrm>
-            <a:off x="6829931" y="2098187"/>
-            <a:ext cx="775328" cy="369332"/>
+            <a:off x="6677532" y="2098187"/>
+            <a:ext cx="1085376" cy="369332"/>
           </a:xfrm>
           <a:prstGeom prst="rect">
             <a:avLst/>
@@ -4642,7 +4662,17 @@
                   </a:schemeClr>
                 </a:solidFill>
               </a:rPr>
-              <a:t> C</a:t>
+              <a:t> </a:t>
+            </a:r>
+            <a:r>
+              <a:rPr kumimoji="1" lang="en-US" altLang="ja-JP" dirty="0" smtClean="0">
+                <a:solidFill>
+                  <a:schemeClr val="accent6">
+                    <a:lumMod val="75000"/>
+                  </a:schemeClr>
+                </a:solidFill>
+              </a:rPr>
+              <a:t>0x0F</a:t>
             </a:r>
             <a:endParaRPr kumimoji="1" lang="ja-JP" altLang="en-US" dirty="0">
               <a:solidFill>
@@ -4663,7 +4693,7 @@
         <p:spPr>
           <a:xfrm>
             <a:off x="7762908" y="2105107"/>
-            <a:ext cx="775328" cy="369332"/>
+            <a:ext cx="1113058" cy="369332"/>
           </a:xfrm>
           <a:prstGeom prst="rect">
             <a:avLst/>
@@ -4695,7 +4725,17 @@
                   </a:schemeClr>
                 </a:solidFill>
               </a:rPr>
-              <a:t> E</a:t>
+              <a:t> </a:t>
+            </a:r>
+            <a:r>
+              <a:rPr kumimoji="1" lang="en-US" altLang="ja-JP" dirty="0" smtClean="0">
+                <a:solidFill>
+                  <a:schemeClr val="accent4">
+                    <a:lumMod val="75000"/>
+                  </a:schemeClr>
+                </a:solidFill>
+              </a:rPr>
+              <a:t>0x14</a:t>
             </a:r>
             <a:endParaRPr kumimoji="1" lang="ja-JP" altLang="en-US" dirty="0">
               <a:solidFill>
@@ -4801,7 +4841,7 @@
             </a:r>
             <a:r>
               <a:rPr lang="en-US" altLang="ja-JP" dirty="0" smtClean="0"/>
-              <a:t>DUE</a:t>
+              <a:t>mega</a:t>
             </a:r>
             <a:endParaRPr kumimoji="1" lang="en-US" altLang="ja-JP" dirty="0" smtClean="0"/>
           </a:p>
